--- a/materials/tech_talk_snakemake_20170726.pptx
+++ b/materials/tech_talk_snakemake_20170726.pptx
@@ -10,29 +10,30 @@
     <p:sldId id="260" r:id="rId4"/>
     <p:sldId id="267" r:id="rId5"/>
     <p:sldId id="287" r:id="rId6"/>
-    <p:sldId id="273" r:id="rId7"/>
-    <p:sldId id="274" r:id="rId8"/>
-    <p:sldId id="275" r:id="rId9"/>
-    <p:sldId id="276" r:id="rId10"/>
-    <p:sldId id="277" r:id="rId11"/>
-    <p:sldId id="278" r:id="rId12"/>
-    <p:sldId id="279" r:id="rId13"/>
-    <p:sldId id="280" r:id="rId14"/>
-    <p:sldId id="281" r:id="rId15"/>
-    <p:sldId id="282" r:id="rId16"/>
-    <p:sldId id="283" r:id="rId17"/>
-    <p:sldId id="284" r:id="rId18"/>
-    <p:sldId id="285" r:id="rId19"/>
-    <p:sldId id="286" r:id="rId20"/>
-    <p:sldId id="262" r:id="rId21"/>
-    <p:sldId id="289" r:id="rId22"/>
-    <p:sldId id="288" r:id="rId23"/>
-    <p:sldId id="290" r:id="rId24"/>
-    <p:sldId id="291" r:id="rId25"/>
-    <p:sldId id="272" r:id="rId26"/>
-    <p:sldId id="266" r:id="rId27"/>
-    <p:sldId id="270" r:id="rId28"/>
-    <p:sldId id="269" r:id="rId29"/>
+    <p:sldId id="292" r:id="rId7"/>
+    <p:sldId id="293" r:id="rId8"/>
+    <p:sldId id="294" r:id="rId9"/>
+    <p:sldId id="295" r:id="rId10"/>
+    <p:sldId id="296" r:id="rId11"/>
+    <p:sldId id="297" r:id="rId12"/>
+    <p:sldId id="298" r:id="rId13"/>
+    <p:sldId id="299" r:id="rId14"/>
+    <p:sldId id="300" r:id="rId15"/>
+    <p:sldId id="301" r:id="rId16"/>
+    <p:sldId id="302" r:id="rId17"/>
+    <p:sldId id="303" r:id="rId18"/>
+    <p:sldId id="304" r:id="rId19"/>
+    <p:sldId id="305" r:id="rId20"/>
+    <p:sldId id="306" r:id="rId21"/>
+    <p:sldId id="262" r:id="rId22"/>
+    <p:sldId id="289" r:id="rId23"/>
+    <p:sldId id="288" r:id="rId24"/>
+    <p:sldId id="290" r:id="rId25"/>
+    <p:sldId id="291" r:id="rId26"/>
+    <p:sldId id="272" r:id="rId27"/>
+    <p:sldId id="266" r:id="rId28"/>
+    <p:sldId id="270" r:id="rId29"/>
+    <p:sldId id="269" r:id="rId30"/>
   </p:sldIdLst>
   <p:sldSz cx="12192000" cy="6858000"/>
   <p:notesSz cx="6858000" cy="9144000"/>
@@ -281,7 +282,7 @@
           <a:p>
             <a:fld id="{174D4A92-C36E-9043-B470-E201F556B0A9}" type="datetimeFigureOut">
               <a:rPr lang="en-US" smtClean="0"/>
-              <a:t>7/25/17</a:t>
+              <a:t>7/26/17</a:t>
             </a:fld>
             <a:endParaRPr lang="en-US"/>
           </a:p>
@@ -451,7 +452,7 @@
           <a:p>
             <a:fld id="{174D4A92-C36E-9043-B470-E201F556B0A9}" type="datetimeFigureOut">
               <a:rPr lang="en-US" smtClean="0"/>
-              <a:t>7/25/17</a:t>
+              <a:t>7/26/17</a:t>
             </a:fld>
             <a:endParaRPr lang="en-US"/>
           </a:p>
@@ -631,7 +632,7 @@
           <a:p>
             <a:fld id="{174D4A92-C36E-9043-B470-E201F556B0A9}" type="datetimeFigureOut">
               <a:rPr lang="en-US" smtClean="0"/>
-              <a:t>7/25/17</a:t>
+              <a:t>7/26/17</a:t>
             </a:fld>
             <a:endParaRPr lang="en-US"/>
           </a:p>
@@ -822,7 +823,7 @@
           <a:p>
             <a:fld id="{174D4A92-C36E-9043-B470-E201F556B0A9}" type="datetimeFigureOut">
               <a:rPr lang="en-US" smtClean="0"/>
-              <a:t>7/25/17</a:t>
+              <a:t>7/26/17</a:t>
             </a:fld>
             <a:endParaRPr lang="en-US"/>
           </a:p>
@@ -1085,7 +1086,7 @@
           <a:p>
             <a:fld id="{174D4A92-C36E-9043-B470-E201F556B0A9}" type="datetimeFigureOut">
               <a:rPr lang="en-US" smtClean="0"/>
-              <a:t>7/25/17</a:t>
+              <a:t>7/26/17</a:t>
             </a:fld>
             <a:endParaRPr lang="en-US"/>
           </a:p>
@@ -1317,7 +1318,7 @@
           <a:p>
             <a:fld id="{174D4A92-C36E-9043-B470-E201F556B0A9}" type="datetimeFigureOut">
               <a:rPr lang="en-US" smtClean="0"/>
-              <a:t>7/25/17</a:t>
+              <a:t>7/26/17</a:t>
             </a:fld>
             <a:endParaRPr lang="en-US"/>
           </a:p>
@@ -1684,7 +1685,7 @@
           <a:p>
             <a:fld id="{174D4A92-C36E-9043-B470-E201F556B0A9}" type="datetimeFigureOut">
               <a:rPr lang="en-US" smtClean="0"/>
-              <a:t>7/25/17</a:t>
+              <a:t>7/26/17</a:t>
             </a:fld>
             <a:endParaRPr lang="en-US"/>
           </a:p>
@@ -1802,7 +1803,7 @@
           <a:p>
             <a:fld id="{174D4A92-C36E-9043-B470-E201F556B0A9}" type="datetimeFigureOut">
               <a:rPr lang="en-US" smtClean="0"/>
-              <a:t>7/25/17</a:t>
+              <a:t>7/26/17</a:t>
             </a:fld>
             <a:endParaRPr lang="en-US"/>
           </a:p>
@@ -1897,7 +1898,7 @@
           <a:p>
             <a:fld id="{174D4A92-C36E-9043-B470-E201F556B0A9}" type="datetimeFigureOut">
               <a:rPr lang="en-US" smtClean="0"/>
-              <a:t>7/25/17</a:t>
+              <a:t>7/26/17</a:t>
             </a:fld>
             <a:endParaRPr lang="en-US"/>
           </a:p>
@@ -2174,7 +2175,7 @@
           <a:p>
             <a:fld id="{174D4A92-C36E-9043-B470-E201F556B0A9}" type="datetimeFigureOut">
               <a:rPr lang="en-US" smtClean="0"/>
-              <a:t>7/25/17</a:t>
+              <a:t>7/26/17</a:t>
             </a:fld>
             <a:endParaRPr lang="en-US"/>
           </a:p>
@@ -2427,7 +2428,7 @@
           <a:p>
             <a:fld id="{174D4A92-C36E-9043-B470-E201F556B0A9}" type="datetimeFigureOut">
               <a:rPr lang="en-US" smtClean="0"/>
-              <a:t>7/25/17</a:t>
+              <a:t>7/26/17</a:t>
             </a:fld>
             <a:endParaRPr lang="en-US"/>
           </a:p>
@@ -2640,7 +2641,7 @@
           <a:p>
             <a:fld id="{174D4A92-C36E-9043-B470-E201F556B0A9}" type="datetimeFigureOut">
               <a:rPr lang="en-US" smtClean="0"/>
-              <a:t>7/25/17</a:t>
+              <a:t>7/26/17</a:t>
             </a:fld>
             <a:endParaRPr lang="en-US"/>
           </a:p>
@@ -3313,7 +3314,7 @@
     </p:spTree>
     <p:extLst>
       <p:ext uri="{BB962C8B-B14F-4D97-AF65-F5344CB8AC3E}">
-        <p14:creationId xmlns:p14="http://schemas.microsoft.com/office/powerpoint/2010/main" val="168600095"/>
+        <p14:creationId xmlns:p14="http://schemas.microsoft.com/office/powerpoint/2010/main" val="2066324455"/>
       </p:ext>
     </p:extLst>
   </p:cSld>
@@ -3657,7 +3658,7 @@
     </p:spTree>
     <p:extLst>
       <p:ext uri="{BB962C8B-B14F-4D97-AF65-F5344CB8AC3E}">
-        <p14:creationId xmlns:p14="http://schemas.microsoft.com/office/powerpoint/2010/main" val="1130866272"/>
+        <p14:creationId xmlns:p14="http://schemas.microsoft.com/office/powerpoint/2010/main" val="1757059548"/>
       </p:ext>
     </p:extLst>
   </p:cSld>
@@ -3950,7 +3951,7 @@
     </p:spTree>
     <p:extLst>
       <p:ext uri="{BB962C8B-B14F-4D97-AF65-F5344CB8AC3E}">
-        <p14:creationId xmlns:p14="http://schemas.microsoft.com/office/powerpoint/2010/main" val="1239157554"/>
+        <p14:creationId xmlns:p14="http://schemas.microsoft.com/office/powerpoint/2010/main" val="852193339"/>
       </p:ext>
     </p:extLst>
   </p:cSld>
@@ -4078,7 +4079,7 @@
     </p:spTree>
     <p:extLst>
       <p:ext uri="{BB962C8B-B14F-4D97-AF65-F5344CB8AC3E}">
-        <p14:creationId xmlns:p14="http://schemas.microsoft.com/office/powerpoint/2010/main" val="224601472"/>
+        <p14:creationId xmlns:p14="http://schemas.microsoft.com/office/powerpoint/2010/main" val="1245006730"/>
       </p:ext>
     </p:extLst>
   </p:cSld>
@@ -4295,7 +4296,7 @@
     </p:spTree>
     <p:extLst>
       <p:ext uri="{BB962C8B-B14F-4D97-AF65-F5344CB8AC3E}">
-        <p14:creationId xmlns:p14="http://schemas.microsoft.com/office/powerpoint/2010/main" val="1748172125"/>
+        <p14:creationId xmlns:p14="http://schemas.microsoft.com/office/powerpoint/2010/main" val="1894938389"/>
       </p:ext>
     </p:extLst>
   </p:cSld>
@@ -4436,7 +4437,7 @@
     </p:spTree>
     <p:extLst>
       <p:ext uri="{BB962C8B-B14F-4D97-AF65-F5344CB8AC3E}">
-        <p14:creationId xmlns:p14="http://schemas.microsoft.com/office/powerpoint/2010/main" val="1805130268"/>
+        <p14:creationId xmlns:p14="http://schemas.microsoft.com/office/powerpoint/2010/main" val="1047018913"/>
       </p:ext>
     </p:extLst>
   </p:cSld>
@@ -4592,7 +4593,7 @@
     </p:spTree>
     <p:extLst>
       <p:ext uri="{BB962C8B-B14F-4D97-AF65-F5344CB8AC3E}">
-        <p14:creationId xmlns:p14="http://schemas.microsoft.com/office/powerpoint/2010/main" val="1322933107"/>
+        <p14:creationId xmlns:p14="http://schemas.microsoft.com/office/powerpoint/2010/main" val="765867273"/>
       </p:ext>
     </p:extLst>
   </p:cSld>
@@ -4803,7 +4804,7 @@
     </p:spTree>
     <p:extLst>
       <p:ext uri="{BB962C8B-B14F-4D97-AF65-F5344CB8AC3E}">
-        <p14:creationId xmlns:p14="http://schemas.microsoft.com/office/powerpoint/2010/main" val="1638531958"/>
+        <p14:creationId xmlns:p14="http://schemas.microsoft.com/office/powerpoint/2010/main" val="2061760840"/>
       </p:ext>
     </p:extLst>
   </p:cSld>
@@ -4924,12 +4925,25 @@
               <a:t>Print variable and rule definitions</a:t>
             </a:r>
           </a:p>
+          <a:p>
+            <a:r>
+              <a:rPr lang="en-US" dirty="0"/>
+              <a:t>make --B</a:t>
+            </a:r>
+          </a:p>
+          <a:p>
+            <a:pPr lvl="1"/>
+            <a:r>
+              <a:rPr lang="en-US" dirty="0"/>
+              <a:t>Remake everything (useful with --n to see how files were created)</a:t>
+            </a:r>
+          </a:p>
         </p:txBody>
       </p:sp>
     </p:spTree>
     <p:extLst>
       <p:ext uri="{BB962C8B-B14F-4D97-AF65-F5344CB8AC3E}">
-        <p14:creationId xmlns:p14="http://schemas.microsoft.com/office/powerpoint/2010/main" val="1623812625"/>
+        <p14:creationId xmlns:p14="http://schemas.microsoft.com/office/powerpoint/2010/main" val="218309888"/>
       </p:ext>
     </p:extLst>
   </p:cSld>
@@ -4961,7 +4975,7 @@
           <p:cNvPr id="2" name="Title 1">
             <a:extLst>
               <a:ext uri="{FF2B5EF4-FFF2-40B4-BE49-F238E27FC236}">
-                <a16:creationId xmlns:a16="http://schemas.microsoft.com/office/drawing/2014/main" xmlns="" id="{0C1055CB-7AC4-4A21-8C30-7B4D7903C6FF}"/>
+                <a16:creationId xmlns:a16="http://schemas.microsoft.com/office/drawing/2014/main" xmlns="" id="{13887DAA-2394-4F41-B3F6-A2F401723EA6}"/>
               </a:ext>
             </a:extLst>
           </p:cNvPr>
@@ -4979,17 +4993,17 @@
           <a:p>
             <a:r>
               <a:rPr lang="en-US" dirty="0"/>
-              <a:t>Additional Reading</a:t>
-            </a:r>
-          </a:p>
-        </p:txBody>
-      </p:sp>
-      <p:sp>
-        <p:nvSpPr>
-          <p:cNvPr id="3" name="Content Placeholder 2">
+              <a:t>Make pro/cons</a:t>
+            </a:r>
+          </a:p>
+        </p:txBody>
+      </p:sp>
+      <p:sp>
+        <p:nvSpPr>
+          <p:cNvPr id="4" name="Content Placeholder 3">
             <a:extLst>
               <a:ext uri="{FF2B5EF4-FFF2-40B4-BE49-F238E27FC236}">
-                <a16:creationId xmlns:a16="http://schemas.microsoft.com/office/drawing/2014/main" xmlns="" id="{AA843212-FE6C-429B-B686-A6F47418E1B0}"/>
+                <a16:creationId xmlns:a16="http://schemas.microsoft.com/office/drawing/2014/main" xmlns="" id="{9C3C0D41-E946-4AAD-9CD2-CEE4951FB98B}"/>
               </a:ext>
             </a:extLst>
           </p:cNvPr>
@@ -4997,7 +5011,7 @@
             <a:spLocks noGrp="1"/>
           </p:cNvSpPr>
           <p:nvPr>
-            <p:ph idx="1"/>
+            <p:ph sz="half" idx="1"/>
           </p:nvPr>
         </p:nvSpPr>
         <p:spPr/>
@@ -5007,57 +5021,238 @@
           <a:p>
             <a:r>
               <a:rPr lang="en-US" dirty="0"/>
-              <a:t>GNU Make for Reproducible Data Analysis by Zachary M Jones</a:t>
-            </a:r>
-          </a:p>
-          <a:p>
-            <a:pPr lvl="1"/>
-            <a:r>
-              <a:rPr lang="en-US" dirty="0">
-                <a:hlinkClick r:id="rId2"/>
-              </a:rPr>
-              <a:t>http://zmjones.com/make/</a:t>
-            </a:r>
+              <a:t>Widely available</a:t>
+            </a:r>
+          </a:p>
+          <a:p>
+            <a:r>
+              <a:rPr lang="en-US" dirty="0"/>
+              <a:t>Very stable</a:t>
+            </a:r>
+          </a:p>
+          <a:p>
+            <a:r>
+              <a:rPr lang="en-US" dirty="0"/>
+              <a:t>Basic commands have very simple syntax</a:t>
+            </a:r>
+          </a:p>
+          <a:p>
             <a:endParaRPr lang="en-US" dirty="0"/>
           </a:p>
+        </p:txBody>
+      </p:sp>
+      <p:sp>
+        <p:nvSpPr>
+          <p:cNvPr id="5" name="Content Placeholder 4">
+            <a:extLst>
+              <a:ext uri="{FF2B5EF4-FFF2-40B4-BE49-F238E27FC236}">
+                <a16:creationId xmlns:a16="http://schemas.microsoft.com/office/drawing/2014/main" xmlns="" id="{DD8F53D0-3B2E-42DC-8BC4-EDC655E5AF43}"/>
+              </a:ext>
+            </a:extLst>
+          </p:cNvPr>
+          <p:cNvSpPr>
+            <a:spLocks noGrp="1"/>
+          </p:cNvSpPr>
+          <p:nvPr>
+            <p:ph sz="half" idx="2"/>
+          </p:nvPr>
+        </p:nvSpPr>
+        <p:spPr/>
+        <p:txBody>
+          <a:bodyPr/>
+          <a:lstStyle/>
           <a:p>
             <a:r>
               <a:rPr lang="en-US" dirty="0"/>
-              <a:t>Minimal Make by Karl Broman</a:t>
-            </a:r>
-          </a:p>
-          <a:p>
-            <a:pPr lvl="1"/>
-            <a:r>
-              <a:rPr lang="en-US" dirty="0">
-                <a:hlinkClick r:id="rId3"/>
-              </a:rPr>
-              <a:t>http://kbroman.org/minimal_make/</a:t>
-            </a:r>
-            <a:endParaRPr lang="en-US" dirty="0"/>
+              <a:t>Very basic file matching patterns</a:t>
+            </a:r>
           </a:p>
           <a:p>
             <a:r>
               <a:rPr lang="en-US" dirty="0"/>
-              <a:t>GNU Make Manual</a:t>
-            </a:r>
-          </a:p>
-          <a:p>
-            <a:pPr lvl="1"/>
-            <a:r>
-              <a:rPr lang="en-US" dirty="0">
-                <a:hlinkClick r:id="rId4"/>
-              </a:rPr>
-              <a:t>https://www.gnu.org/software/make/manual/</a:t>
-            </a:r>
-            <a:endParaRPr lang="en-US" dirty="0"/>
-          </a:p>
-        </p:txBody>
-      </p:sp>
+              <a:t>Not cluster friendly</a:t>
+            </a:r>
+          </a:p>
+          <a:p>
+            <a:r>
+              <a:rPr lang="en-US" dirty="0"/>
+              <a:t>Assumes one output per command</a:t>
+            </a:r>
+          </a:p>
+          <a:p>
+            <a:r>
+              <a:rPr lang="en-US" dirty="0"/>
+              <a:t>No control flow options (if/for/while)</a:t>
+            </a:r>
+          </a:p>
+        </p:txBody>
+      </p:sp>
+      <p:sp>
+        <p:nvSpPr>
+          <p:cNvPr id="6" name="TextBox 5">
+            <a:extLst>
+              <a:ext uri="{FF2B5EF4-FFF2-40B4-BE49-F238E27FC236}">
+                <a16:creationId xmlns:a16="http://schemas.microsoft.com/office/drawing/2014/main" xmlns="" id="{A1E74E55-5D02-452B-B09A-4B236EEDFBDB}"/>
+              </a:ext>
+            </a:extLst>
+          </p:cNvPr>
+          <p:cNvSpPr txBox="1"/>
+          <p:nvPr/>
+        </p:nvSpPr>
+        <p:spPr>
+          <a:xfrm>
+            <a:off x="1945532" y="5661499"/>
+            <a:ext cx="1388977" cy="769441"/>
+          </a:xfrm>
+          <a:prstGeom prst="rect">
+            <a:avLst/>
+          </a:prstGeom>
+          <a:noFill/>
+        </p:spPr>
+        <p:txBody>
+          <a:bodyPr wrap="square" rtlCol="0">
+            <a:spAutoFit/>
+          </a:bodyPr>
+          <a:lstStyle/>
+          <a:p>
+            <a:pPr algn="ctr"/>
+            <a:r>
+              <a:rPr lang="en-US" sz="4400" b="1" dirty="0">
+                <a:ln w="12700">
+                  <a:solidFill>
+                    <a:schemeClr val="accent3">
+                      <a:lumMod val="50000"/>
+                    </a:schemeClr>
+                  </a:solidFill>
+                  <a:prstDash val="solid"/>
+                </a:ln>
+                <a:pattFill prst="narHorz">
+                  <a:fgClr>
+                    <a:schemeClr val="accent3"/>
+                  </a:fgClr>
+                  <a:bgClr>
+                    <a:schemeClr val="accent3">
+                      <a:lumMod val="40000"/>
+                      <a:lumOff val="60000"/>
+                    </a:schemeClr>
+                  </a:bgClr>
+                </a:pattFill>
+                <a:effectLst>
+                  <a:innerShdw blurRad="177800">
+                    <a:schemeClr val="accent3">
+                      <a:lumMod val="50000"/>
+                    </a:schemeClr>
+                  </a:innerShdw>
+                </a:effectLst>
+              </a:rPr>
+              <a:t>PRO</a:t>
+            </a:r>
+          </a:p>
+        </p:txBody>
+      </p:sp>
+      <p:sp>
+        <p:nvSpPr>
+          <p:cNvPr id="7" name="TextBox 6">
+            <a:extLst>
+              <a:ext uri="{FF2B5EF4-FFF2-40B4-BE49-F238E27FC236}">
+                <a16:creationId xmlns:a16="http://schemas.microsoft.com/office/drawing/2014/main" xmlns="" id="{52506B65-8088-4F9A-991A-207C0D6501DD}"/>
+              </a:ext>
+            </a:extLst>
+          </p:cNvPr>
+          <p:cNvSpPr txBox="1"/>
+          <p:nvPr/>
+        </p:nvSpPr>
+        <p:spPr>
+          <a:xfrm>
+            <a:off x="8068511" y="5661498"/>
+            <a:ext cx="1388977" cy="769441"/>
+          </a:xfrm>
+          <a:prstGeom prst="rect">
+            <a:avLst/>
+          </a:prstGeom>
+          <a:noFill/>
+        </p:spPr>
+        <p:txBody>
+          <a:bodyPr wrap="square" rtlCol="0">
+            <a:spAutoFit/>
+          </a:bodyPr>
+          <a:lstStyle/>
+          <a:p>
+            <a:pPr algn="ctr"/>
+            <a:r>
+              <a:rPr lang="en-US" sz="4400" b="1" dirty="0">
+                <a:ln w="12700">
+                  <a:solidFill>
+                    <a:schemeClr val="accent3">
+                      <a:lumMod val="50000"/>
+                    </a:schemeClr>
+                  </a:solidFill>
+                  <a:prstDash val="solid"/>
+                </a:ln>
+                <a:pattFill prst="narHorz">
+                  <a:fgClr>
+                    <a:schemeClr val="accent3"/>
+                  </a:fgClr>
+                  <a:bgClr>
+                    <a:schemeClr val="accent3">
+                      <a:lumMod val="40000"/>
+                      <a:lumOff val="60000"/>
+                    </a:schemeClr>
+                  </a:bgClr>
+                </a:pattFill>
+                <a:effectLst>
+                  <a:innerShdw blurRad="177800">
+                    <a:schemeClr val="accent3">
+                      <a:lumMod val="50000"/>
+                    </a:schemeClr>
+                  </a:innerShdw>
+                </a:effectLst>
+              </a:rPr>
+              <a:t>CON</a:t>
+            </a:r>
+          </a:p>
+        </p:txBody>
+      </p:sp>
+      <p:cxnSp>
+        <p:nvCxnSpPr>
+          <p:cNvPr id="9" name="Straight Connector 8">
+            <a:extLst>
+              <a:ext uri="{FF2B5EF4-FFF2-40B4-BE49-F238E27FC236}">
+                <a16:creationId xmlns:a16="http://schemas.microsoft.com/office/drawing/2014/main" xmlns="" id="{955F40AF-489C-4434-A29B-30E89CEECE56}"/>
+              </a:ext>
+            </a:extLst>
+          </p:cNvPr>
+          <p:cNvCxnSpPr/>
+          <p:nvPr/>
+        </p:nvCxnSpPr>
+        <p:spPr>
+          <a:xfrm flipV="1">
+            <a:off x="5778230" y="1690688"/>
+            <a:ext cx="0" cy="4740251"/>
+          </a:xfrm>
+          <a:prstGeom prst="line">
+            <a:avLst/>
+          </a:prstGeom>
+        </p:spPr>
+        <p:style>
+          <a:lnRef idx="1">
+            <a:schemeClr val="dk1"/>
+          </a:lnRef>
+          <a:fillRef idx="0">
+            <a:schemeClr val="dk1"/>
+          </a:fillRef>
+          <a:effectRef idx="0">
+            <a:schemeClr val="dk1"/>
+          </a:effectRef>
+          <a:fontRef idx="minor">
+            <a:schemeClr val="tx1"/>
+          </a:fontRef>
+        </p:style>
+      </p:cxnSp>
     </p:spTree>
     <p:extLst>
       <p:ext uri="{BB962C8B-B14F-4D97-AF65-F5344CB8AC3E}">
-        <p14:creationId xmlns:p14="http://schemas.microsoft.com/office/powerpoint/2010/main" val="1196602299"/>
+        <p14:creationId xmlns:p14="http://schemas.microsoft.com/office/powerpoint/2010/main" val="1232218540"/>
       </p:ext>
     </p:extLst>
   </p:cSld>
@@ -5191,6 +5386,134 @@
       </p:grpSpPr>
       <p:sp>
         <p:nvSpPr>
+          <p:cNvPr id="2" name="Title 1">
+            <a:extLst>
+              <a:ext uri="{FF2B5EF4-FFF2-40B4-BE49-F238E27FC236}">
+                <a16:creationId xmlns:a16="http://schemas.microsoft.com/office/drawing/2014/main" xmlns="" id="{0C1055CB-7AC4-4A21-8C30-7B4D7903C6FF}"/>
+              </a:ext>
+            </a:extLst>
+          </p:cNvPr>
+          <p:cNvSpPr>
+            <a:spLocks noGrp="1"/>
+          </p:cNvSpPr>
+          <p:nvPr>
+            <p:ph type="title"/>
+          </p:nvPr>
+        </p:nvSpPr>
+        <p:spPr/>
+        <p:txBody>
+          <a:bodyPr/>
+          <a:lstStyle/>
+          <a:p>
+            <a:r>
+              <a:rPr lang="en-US" dirty="0"/>
+              <a:t>Additional Reading</a:t>
+            </a:r>
+          </a:p>
+        </p:txBody>
+      </p:sp>
+      <p:sp>
+        <p:nvSpPr>
+          <p:cNvPr id="3" name="Content Placeholder 2">
+            <a:extLst>
+              <a:ext uri="{FF2B5EF4-FFF2-40B4-BE49-F238E27FC236}">
+                <a16:creationId xmlns:a16="http://schemas.microsoft.com/office/drawing/2014/main" xmlns="" id="{AA843212-FE6C-429B-B686-A6F47418E1B0}"/>
+              </a:ext>
+            </a:extLst>
+          </p:cNvPr>
+          <p:cNvSpPr>
+            <a:spLocks noGrp="1"/>
+          </p:cNvSpPr>
+          <p:nvPr>
+            <p:ph idx="1"/>
+          </p:nvPr>
+        </p:nvSpPr>
+        <p:spPr/>
+        <p:txBody>
+          <a:bodyPr/>
+          <a:lstStyle/>
+          <a:p>
+            <a:r>
+              <a:rPr lang="en-US" dirty="0"/>
+              <a:t>GNU Make for Reproducible Data Analysis by Zachary M Jones</a:t>
+            </a:r>
+          </a:p>
+          <a:p>
+            <a:pPr lvl="1"/>
+            <a:r>
+              <a:rPr lang="en-US" dirty="0">
+                <a:hlinkClick r:id="rId2"/>
+              </a:rPr>
+              <a:t>http://zmjones.com/make/</a:t>
+            </a:r>
+            <a:endParaRPr lang="en-US" dirty="0"/>
+          </a:p>
+          <a:p>
+            <a:r>
+              <a:rPr lang="en-US" dirty="0"/>
+              <a:t>Minimal Make by Karl Broman</a:t>
+            </a:r>
+          </a:p>
+          <a:p>
+            <a:pPr lvl="1"/>
+            <a:r>
+              <a:rPr lang="en-US" dirty="0">
+                <a:hlinkClick r:id="rId3"/>
+              </a:rPr>
+              <a:t>http://kbroman.org/minimal_make/</a:t>
+            </a:r>
+            <a:endParaRPr lang="en-US" dirty="0"/>
+          </a:p>
+          <a:p>
+            <a:r>
+              <a:rPr lang="en-US" dirty="0"/>
+              <a:t>GNU Make Manual</a:t>
+            </a:r>
+          </a:p>
+          <a:p>
+            <a:pPr lvl="1"/>
+            <a:r>
+              <a:rPr lang="en-US" dirty="0">
+                <a:hlinkClick r:id="rId4"/>
+              </a:rPr>
+              <a:t>https://www.gnu.org/software/make/manual/</a:t>
+            </a:r>
+            <a:endParaRPr lang="en-US" dirty="0"/>
+          </a:p>
+        </p:txBody>
+      </p:sp>
+    </p:spTree>
+    <p:extLst>
+      <p:ext uri="{BB962C8B-B14F-4D97-AF65-F5344CB8AC3E}">
+        <p14:creationId xmlns:p14="http://schemas.microsoft.com/office/powerpoint/2010/main" val="1712193759"/>
+      </p:ext>
+    </p:extLst>
+  </p:cSld>
+  <p:clrMapOvr>
+    <a:masterClrMapping/>
+  </p:clrMapOvr>
+</p:sld>
+</file>
+
+<file path=ppt/slides/slide21.xml><?xml version="1.0" encoding="utf-8"?>
+<p:sld xmlns:a="http://schemas.openxmlformats.org/drawingml/2006/main" xmlns:r="http://schemas.openxmlformats.org/officeDocument/2006/relationships" xmlns:p="http://schemas.openxmlformats.org/presentationml/2006/main">
+  <p:cSld>
+    <p:spTree>
+      <p:nvGrpSpPr>
+        <p:cNvPr id="1" name=""/>
+        <p:cNvGrpSpPr/>
+        <p:nvPr/>
+      </p:nvGrpSpPr>
+      <p:grpSpPr>
+        <a:xfrm>
+          <a:off x="0" y="0"/>
+          <a:ext cx="0" cy="0"/>
+          <a:chOff x="0" y="0"/>
+          <a:chExt cx="0" cy="0"/>
+        </a:xfrm>
+      </p:grpSpPr>
+      <p:sp>
+        <p:nvSpPr>
           <p:cNvPr id="2" name="Title 1"/>
           <p:cNvSpPr>
             <a:spLocks noGrp="1"/>
@@ -5294,15 +5617,7 @@
           <a:p>
             <a:r>
               <a:rPr lang="en-US" dirty="0" smtClean="0"/>
-              <a:t>Documentation, examples, </a:t>
-            </a:r>
-            <a:r>
-              <a:rPr lang="en-US" dirty="0" smtClean="0"/>
-              <a:t>tutorial, FAQ </a:t>
-            </a:r>
-            <a:r>
-              <a:rPr lang="en-US" dirty="0" smtClean="0"/>
-              <a:t>can </a:t>
+              <a:t>Documentation, examples, tutorial, FAQ can </a:t>
             </a:r>
             <a:r>
               <a:rPr lang="en-US" dirty="0"/>
@@ -5350,7 +5665,7 @@
 </p:sld>
 </file>
 
-<file path=ppt/slides/slide21.xml><?xml version="1.0" encoding="utf-8"?>
+<file path=ppt/slides/slide22.xml><?xml version="1.0" encoding="utf-8"?>
 <p:sld xmlns:a="http://schemas.openxmlformats.org/drawingml/2006/main" xmlns:r="http://schemas.openxmlformats.org/officeDocument/2006/relationships" xmlns:p="http://schemas.openxmlformats.org/presentationml/2006/main">
   <p:cSld>
     <p:spTree>
@@ -5630,7 +5945,7 @@
 </p:sld>
 </file>
 
-<file path=ppt/slides/slide22.xml><?xml version="1.0" encoding="utf-8"?>
+<file path=ppt/slides/slide23.xml><?xml version="1.0" encoding="utf-8"?>
 <p:sld xmlns:a="http://schemas.openxmlformats.org/drawingml/2006/main" xmlns:r="http://schemas.openxmlformats.org/officeDocument/2006/relationships" xmlns:p="http://schemas.openxmlformats.org/presentationml/2006/main">
   <p:cSld>
     <p:spTree>
@@ -5988,7 +6303,7 @@
 </p:sld>
 </file>
 
-<file path=ppt/slides/slide23.xml><?xml version="1.0" encoding="utf-8"?>
+<file path=ppt/slides/slide24.xml><?xml version="1.0" encoding="utf-8"?>
 <p:sld xmlns:a="http://schemas.openxmlformats.org/drawingml/2006/main" xmlns:r="http://schemas.openxmlformats.org/officeDocument/2006/relationships" xmlns:p="http://schemas.openxmlformats.org/presentationml/2006/main">
   <p:cSld>
     <p:spTree>
@@ -6219,7 +6534,7 @@
 </p:sld>
 </file>
 
-<file path=ppt/slides/slide24.xml><?xml version="1.0" encoding="utf-8"?>
+<file path=ppt/slides/slide25.xml><?xml version="1.0" encoding="utf-8"?>
 <p:sld xmlns:a="http://schemas.openxmlformats.org/drawingml/2006/main" xmlns:r="http://schemas.openxmlformats.org/officeDocument/2006/relationships" xmlns:p="http://schemas.openxmlformats.org/presentationml/2006/main">
   <p:cSld>
     <p:spTree>
@@ -6449,7 +6764,7 @@
 </p:sld>
 </file>
 
-<file path=ppt/slides/slide25.xml><?xml version="1.0" encoding="utf-8"?>
+<file path=ppt/slides/slide26.xml><?xml version="1.0" encoding="utf-8"?>
 <p:sld xmlns:a="http://schemas.openxmlformats.org/drawingml/2006/main" xmlns:r="http://schemas.openxmlformats.org/officeDocument/2006/relationships" xmlns:p="http://schemas.openxmlformats.org/presentationml/2006/main">
   <p:cSld>
     <p:spTree>
@@ -6541,146 +6856,6 @@
 </p:sld>
 </file>
 
-<file path=ppt/slides/slide26.xml><?xml version="1.0" encoding="utf-8"?>
-<p:sld xmlns:a="http://schemas.openxmlformats.org/drawingml/2006/main" xmlns:r="http://schemas.openxmlformats.org/officeDocument/2006/relationships" xmlns:p="http://schemas.openxmlformats.org/presentationml/2006/main">
-  <p:cSld>
-    <p:spTree>
-      <p:nvGrpSpPr>
-        <p:cNvPr id="1" name=""/>
-        <p:cNvGrpSpPr/>
-        <p:nvPr/>
-      </p:nvGrpSpPr>
-      <p:grpSpPr>
-        <a:xfrm>
-          <a:off x="0" y="0"/>
-          <a:ext cx="0" cy="0"/>
-          <a:chOff x="0" y="0"/>
-          <a:chExt cx="0" cy="0"/>
-        </a:xfrm>
-      </p:grpSpPr>
-      <p:sp>
-        <p:nvSpPr>
-          <p:cNvPr id="2" name="Title 1"/>
-          <p:cNvSpPr>
-            <a:spLocks noGrp="1"/>
-          </p:cNvSpPr>
-          <p:nvPr>
-            <p:ph type="title"/>
-          </p:nvPr>
-        </p:nvSpPr>
-        <p:spPr/>
-        <p:txBody>
-          <a:bodyPr/>
-          <a:lstStyle/>
-          <a:p>
-            <a:r>
-              <a:rPr lang="en-US" dirty="0" err="1" smtClean="0"/>
-              <a:t>Snakemake</a:t>
-            </a:r>
-            <a:endParaRPr lang="en-US" dirty="0"/>
-          </a:p>
-        </p:txBody>
-      </p:sp>
-      <p:sp>
-        <p:nvSpPr>
-          <p:cNvPr id="3" name="Content Placeholder 2"/>
-          <p:cNvSpPr>
-            <a:spLocks noGrp="1"/>
-          </p:cNvSpPr>
-          <p:nvPr>
-            <p:ph idx="1"/>
-          </p:nvPr>
-        </p:nvSpPr>
-        <p:spPr/>
-        <p:txBody>
-          <a:bodyPr/>
-          <a:lstStyle/>
-          <a:p>
-            <a:r>
-              <a:rPr lang="en-US" dirty="0" smtClean="0"/>
-              <a:t>Other nice features we didn’t see today: </a:t>
-            </a:r>
-          </a:p>
-          <a:p>
-            <a:pPr lvl="1"/>
-            <a:r>
-              <a:rPr lang="en-US" dirty="0" smtClean="0"/>
-              <a:t>Rule </a:t>
-            </a:r>
-            <a:r>
-              <a:rPr lang="en-US" dirty="0" smtClean="0"/>
-              <a:t>priority: schedule some rules to execute preferentially before others</a:t>
-            </a:r>
-          </a:p>
-          <a:p>
-            <a:pPr lvl="1"/>
-            <a:r>
-              <a:rPr lang="en-US" dirty="0" smtClean="0"/>
-              <a:t>Force </a:t>
-            </a:r>
-            <a:r>
-              <a:rPr lang="en-US" dirty="0" smtClean="0"/>
-              <a:t>particular rules to execute</a:t>
-            </a:r>
-          </a:p>
-          <a:p>
-            <a:pPr lvl="1"/>
-            <a:r>
-              <a:rPr lang="en-US" dirty="0" smtClean="0"/>
-              <a:t>Flag file support (similar to .OK files used in </a:t>
-            </a:r>
-            <a:r>
-              <a:rPr lang="en-US" dirty="0" err="1" smtClean="0"/>
-              <a:t>Makefiles</a:t>
-            </a:r>
-            <a:r>
-              <a:rPr lang="en-US" dirty="0" smtClean="0"/>
-              <a:t>)</a:t>
-            </a:r>
-          </a:p>
-          <a:p>
-            <a:pPr lvl="1"/>
-            <a:r>
-              <a:rPr lang="en-US" dirty="0" smtClean="0"/>
-              <a:t>Automatic removal of output files from rules that fail to execute properly</a:t>
-            </a:r>
-          </a:p>
-          <a:p>
-            <a:pPr lvl="1"/>
-            <a:r>
-              <a:rPr lang="en-US" dirty="0" smtClean="0"/>
-              <a:t>Automatic deletion of temporary files (with temp() or shadow rules)</a:t>
-            </a:r>
-          </a:p>
-          <a:p>
-            <a:pPr lvl="1"/>
-            <a:r>
-              <a:rPr lang="en-US" dirty="0" smtClean="0"/>
-              <a:t>Dynamic rules (when # of input or output files is unknown until runtime)</a:t>
-            </a:r>
-          </a:p>
-          <a:p>
-            <a:pPr lvl="1"/>
-            <a:r>
-              <a:rPr lang="en-US" dirty="0" smtClean="0"/>
-              <a:t>Code and rule version tracking</a:t>
-            </a:r>
-          </a:p>
-        </p:txBody>
-      </p:sp>
-    </p:spTree>
-    <p:extLst>
-      <p:ext uri="{BB962C8B-B14F-4D97-AF65-F5344CB8AC3E}">
-        <p14:creationId xmlns:p14="http://schemas.microsoft.com/office/powerpoint/2010/main" val="1082067608"/>
-      </p:ext>
-    </p:extLst>
-  </p:cSld>
-  <p:clrMapOvr>
-    <a:masterClrMapping/>
-  </p:clrMapOvr>
-</p:sld>
-</file>
-
 <file path=ppt/slides/slide27.xml><?xml version="1.0" encoding="utf-8"?>
 <p:sld xmlns:a="http://schemas.openxmlformats.org/drawingml/2006/main" xmlns:r="http://schemas.openxmlformats.org/officeDocument/2006/relationships" xmlns:p="http://schemas.openxmlformats.org/presentationml/2006/main">
   <p:cSld>
@@ -6714,6 +6889,138 @@
           <a:lstStyle/>
           <a:p>
             <a:r>
+              <a:rPr lang="en-US" dirty="0" err="1" smtClean="0"/>
+              <a:t>Snakemake</a:t>
+            </a:r>
+            <a:endParaRPr lang="en-US" dirty="0"/>
+          </a:p>
+        </p:txBody>
+      </p:sp>
+      <p:sp>
+        <p:nvSpPr>
+          <p:cNvPr id="3" name="Content Placeholder 2"/>
+          <p:cNvSpPr>
+            <a:spLocks noGrp="1"/>
+          </p:cNvSpPr>
+          <p:nvPr>
+            <p:ph idx="1"/>
+          </p:nvPr>
+        </p:nvSpPr>
+        <p:spPr/>
+        <p:txBody>
+          <a:bodyPr/>
+          <a:lstStyle/>
+          <a:p>
+            <a:r>
+              <a:rPr lang="en-US" dirty="0" smtClean="0"/>
+              <a:t>Other nice features we didn’t see today: </a:t>
+            </a:r>
+          </a:p>
+          <a:p>
+            <a:pPr lvl="1"/>
+            <a:r>
+              <a:rPr lang="en-US" dirty="0" smtClean="0"/>
+              <a:t>Rule priority: schedule some rules to execute preferentially before others</a:t>
+            </a:r>
+          </a:p>
+          <a:p>
+            <a:pPr lvl="1"/>
+            <a:r>
+              <a:rPr lang="en-US" dirty="0" smtClean="0"/>
+              <a:t>Force particular rules to execute</a:t>
+            </a:r>
+          </a:p>
+          <a:p>
+            <a:pPr lvl="1"/>
+            <a:r>
+              <a:rPr lang="en-US" dirty="0" smtClean="0"/>
+              <a:t>Flag file support (similar to .OK files used in </a:t>
+            </a:r>
+            <a:r>
+              <a:rPr lang="en-US" dirty="0" err="1" smtClean="0"/>
+              <a:t>Makefiles</a:t>
+            </a:r>
+            <a:r>
+              <a:rPr lang="en-US" dirty="0" smtClean="0"/>
+              <a:t>)</a:t>
+            </a:r>
+          </a:p>
+          <a:p>
+            <a:pPr lvl="1"/>
+            <a:r>
+              <a:rPr lang="en-US" dirty="0" smtClean="0"/>
+              <a:t>Automatic removal of output files from rules that fail to execute properly</a:t>
+            </a:r>
+          </a:p>
+          <a:p>
+            <a:pPr lvl="1"/>
+            <a:r>
+              <a:rPr lang="en-US" dirty="0" smtClean="0"/>
+              <a:t>Automatic deletion of temporary files (with temp() or shadow rules)</a:t>
+            </a:r>
+          </a:p>
+          <a:p>
+            <a:pPr lvl="1"/>
+            <a:r>
+              <a:rPr lang="en-US" dirty="0" smtClean="0"/>
+              <a:t>Dynamic rules (when # of input or output files is unknown until runtime)</a:t>
+            </a:r>
+          </a:p>
+          <a:p>
+            <a:pPr lvl="1"/>
+            <a:r>
+              <a:rPr lang="en-US" dirty="0" smtClean="0"/>
+              <a:t>Code and rule version tracking</a:t>
+            </a:r>
+          </a:p>
+        </p:txBody>
+      </p:sp>
+    </p:spTree>
+    <p:extLst>
+      <p:ext uri="{BB962C8B-B14F-4D97-AF65-F5344CB8AC3E}">
+        <p14:creationId xmlns:p14="http://schemas.microsoft.com/office/powerpoint/2010/main" val="1082067608"/>
+      </p:ext>
+    </p:extLst>
+  </p:cSld>
+  <p:clrMapOvr>
+    <a:masterClrMapping/>
+  </p:clrMapOvr>
+</p:sld>
+</file>
+
+<file path=ppt/slides/slide28.xml><?xml version="1.0" encoding="utf-8"?>
+<p:sld xmlns:a="http://schemas.openxmlformats.org/drawingml/2006/main" xmlns:r="http://schemas.openxmlformats.org/officeDocument/2006/relationships" xmlns:p="http://schemas.openxmlformats.org/presentationml/2006/main">
+  <p:cSld>
+    <p:spTree>
+      <p:nvGrpSpPr>
+        <p:cNvPr id="1" name=""/>
+        <p:cNvGrpSpPr/>
+        <p:nvPr/>
+      </p:nvGrpSpPr>
+      <p:grpSpPr>
+        <a:xfrm>
+          <a:off x="0" y="0"/>
+          <a:ext cx="0" cy="0"/>
+          <a:chOff x="0" y="0"/>
+          <a:chExt cx="0" cy="0"/>
+        </a:xfrm>
+      </p:grpSpPr>
+      <p:sp>
+        <p:nvSpPr>
+          <p:cNvPr id="2" name="Title 1"/>
+          <p:cNvSpPr>
+            <a:spLocks noGrp="1"/>
+          </p:cNvSpPr>
+          <p:nvPr>
+            <p:ph type="title"/>
+          </p:nvPr>
+        </p:nvSpPr>
+        <p:spPr/>
+        <p:txBody>
+          <a:bodyPr/>
+          <a:lstStyle/>
+          <a:p>
+            <a:r>
               <a:rPr lang="en-US" dirty="0" smtClean="0"/>
               <a:t>Advantages of </a:t>
             </a:r>
@@ -6758,13 +7065,8 @@
           <a:p>
             <a:r>
               <a:rPr lang="en-US" dirty="0" smtClean="0"/>
-              <a:t>Rules can be generalized with </a:t>
-            </a:r>
-            <a:r>
-              <a:rPr lang="en-US" dirty="0" smtClean="0"/>
-              <a:t>multiple wildcards</a:t>
-            </a:r>
-            <a:endParaRPr lang="en-US" dirty="0" smtClean="0"/>
+              <a:t>Rules can be generalized with multiple wildcards</a:t>
+            </a:r>
           </a:p>
           <a:p>
             <a:r>
@@ -6797,7 +7099,7 @@
 </p:sld>
 </file>
 
-<file path=ppt/slides/slide28.xml><?xml version="1.0" encoding="utf-8"?>
+<file path=ppt/slides/slide29.xml><?xml version="1.0" encoding="utf-8"?>
 <p:sld xmlns:a="http://schemas.openxmlformats.org/drawingml/2006/main" xmlns:r="http://schemas.openxmlformats.org/officeDocument/2006/relationships" xmlns:p="http://schemas.openxmlformats.org/presentationml/2006/main">
   <p:cSld>
     <p:spTree>
@@ -7438,20 +7740,15 @@
             <a:pPr lvl="1"/>
             <a:r>
               <a:rPr lang="en-US" dirty="0"/>
-              <a:t>Recreates files if dependencies are newer than </a:t>
-            </a:r>
-            <a:r>
-              <a:rPr lang="en-US" dirty="0" smtClean="0"/>
-              <a:t>output</a:t>
-            </a:r>
-            <a:endParaRPr lang="en-US" dirty="0"/>
+              <a:t>Recreates files if dependencies are newer than output</a:t>
+            </a:r>
           </a:p>
         </p:txBody>
       </p:sp>
     </p:spTree>
     <p:extLst>
       <p:ext uri="{BB962C8B-B14F-4D97-AF65-F5344CB8AC3E}">
-        <p14:creationId xmlns:p14="http://schemas.microsoft.com/office/powerpoint/2010/main" val="1099717763"/>
+        <p14:creationId xmlns:p14="http://schemas.microsoft.com/office/powerpoint/2010/main" val="950539938"/>
       </p:ext>
     </p:extLst>
   </p:cSld>
@@ -7649,7 +7946,7 @@
     </p:spTree>
     <p:extLst>
       <p:ext uri="{BB962C8B-B14F-4D97-AF65-F5344CB8AC3E}">
-        <p14:creationId xmlns:p14="http://schemas.microsoft.com/office/powerpoint/2010/main" val="1712176659"/>
+        <p14:creationId xmlns:p14="http://schemas.microsoft.com/office/powerpoint/2010/main" val="593887933"/>
       </p:ext>
     </p:extLst>
   </p:cSld>
@@ -7881,7 +8178,7 @@
     </p:spTree>
     <p:extLst>
       <p:ext uri="{BB962C8B-B14F-4D97-AF65-F5344CB8AC3E}">
-        <p14:creationId xmlns:p14="http://schemas.microsoft.com/office/powerpoint/2010/main" val="272238013"/>
+        <p14:creationId xmlns:p14="http://schemas.microsoft.com/office/powerpoint/2010/main" val="2117982322"/>
       </p:ext>
     </p:extLst>
   </p:cSld>
@@ -8225,7 +8522,7 @@
     </p:spTree>
     <p:extLst>
       <p:ext uri="{BB962C8B-B14F-4D97-AF65-F5344CB8AC3E}">
-        <p14:creationId xmlns:p14="http://schemas.microsoft.com/office/powerpoint/2010/main" val="1364116381"/>
+        <p14:creationId xmlns:p14="http://schemas.microsoft.com/office/powerpoint/2010/main" val="239953182"/>
       </p:ext>
     </p:extLst>
   </p:cSld>
